--- a/3D Faces Pilot Data.pptx
+++ b/3D Faces Pilot Data.pptx
@@ -18,6 +18,12 @@
     <p:sldId id="266" r:id="rId12"/>
     <p:sldId id="267" r:id="rId13"/>
     <p:sldId id="269" r:id="rId14"/>
+    <p:sldId id="270" r:id="rId15"/>
+    <p:sldId id="271" r:id="rId16"/>
+    <p:sldId id="272" r:id="rId17"/>
+    <p:sldId id="273" r:id="rId18"/>
+    <p:sldId id="274" r:id="rId19"/>
+    <p:sldId id="275" r:id="rId20"/>
   </p:sldIdLst>
   <p:sldSz cx="12192000" cy="6858000"/>
   <p:notesSz cx="6858000" cy="9144000"/>
@@ -116,6 +122,11 @@
       </a:defRPr>
     </a:lvl9pPr>
   </p:defaultTextStyle>
+  <p:extLst>
+    <p:ext uri="{EFAFB233-063F-42B5-8137-9DF3F51BA10A}">
+      <p15:sldGuideLst xmlns:p15="http://schemas.microsoft.com/office/powerpoint/2012/main"/>
+    </p:ext>
+  </p:extLst>
 </p:presentation>
 </file>
 
@@ -250,7 +261,7 @@
           <a:p>
             <a:fld id="{DD3CB2A7-14A9-49CB-940C-272B8845B298}" type="datetimeFigureOut">
               <a:rPr lang="en-CA" smtClean="0"/>
-              <a:t>2022-06-03</a:t>
+              <a:t>2022-07-27</a:t>
             </a:fld>
             <a:endParaRPr lang="en-CA"/>
           </a:p>
@@ -420,7 +431,7 @@
           <a:p>
             <a:fld id="{DD3CB2A7-14A9-49CB-940C-272B8845B298}" type="datetimeFigureOut">
               <a:rPr lang="en-CA" smtClean="0"/>
-              <a:t>2022-06-03</a:t>
+              <a:t>2022-07-27</a:t>
             </a:fld>
             <a:endParaRPr lang="en-CA"/>
           </a:p>
@@ -600,7 +611,7 @@
           <a:p>
             <a:fld id="{DD3CB2A7-14A9-49CB-940C-272B8845B298}" type="datetimeFigureOut">
               <a:rPr lang="en-CA" smtClean="0"/>
-              <a:t>2022-06-03</a:t>
+              <a:t>2022-07-27</a:t>
             </a:fld>
             <a:endParaRPr lang="en-CA"/>
           </a:p>
@@ -770,7 +781,7 @@
           <a:p>
             <a:fld id="{DD3CB2A7-14A9-49CB-940C-272B8845B298}" type="datetimeFigureOut">
               <a:rPr lang="en-CA" smtClean="0"/>
-              <a:t>2022-06-03</a:t>
+              <a:t>2022-07-27</a:t>
             </a:fld>
             <a:endParaRPr lang="en-CA"/>
           </a:p>
@@ -1016,7 +1027,7 @@
           <a:p>
             <a:fld id="{DD3CB2A7-14A9-49CB-940C-272B8845B298}" type="datetimeFigureOut">
               <a:rPr lang="en-CA" smtClean="0"/>
-              <a:t>2022-06-03</a:t>
+              <a:t>2022-07-27</a:t>
             </a:fld>
             <a:endParaRPr lang="en-CA"/>
           </a:p>
@@ -1248,7 +1259,7 @@
           <a:p>
             <a:fld id="{DD3CB2A7-14A9-49CB-940C-272B8845B298}" type="datetimeFigureOut">
               <a:rPr lang="en-CA" smtClean="0"/>
-              <a:t>2022-06-03</a:t>
+              <a:t>2022-07-27</a:t>
             </a:fld>
             <a:endParaRPr lang="en-CA"/>
           </a:p>
@@ -1615,7 +1626,7 @@
           <a:p>
             <a:fld id="{DD3CB2A7-14A9-49CB-940C-272B8845B298}" type="datetimeFigureOut">
               <a:rPr lang="en-CA" smtClean="0"/>
-              <a:t>2022-06-03</a:t>
+              <a:t>2022-07-27</a:t>
             </a:fld>
             <a:endParaRPr lang="en-CA"/>
           </a:p>
@@ -1733,7 +1744,7 @@
           <a:p>
             <a:fld id="{DD3CB2A7-14A9-49CB-940C-272B8845B298}" type="datetimeFigureOut">
               <a:rPr lang="en-CA" smtClean="0"/>
-              <a:t>2022-06-03</a:t>
+              <a:t>2022-07-27</a:t>
             </a:fld>
             <a:endParaRPr lang="en-CA"/>
           </a:p>
@@ -1828,7 +1839,7 @@
           <a:p>
             <a:fld id="{DD3CB2A7-14A9-49CB-940C-272B8845B298}" type="datetimeFigureOut">
               <a:rPr lang="en-CA" smtClean="0"/>
-              <a:t>2022-06-03</a:t>
+              <a:t>2022-07-27</a:t>
             </a:fld>
             <a:endParaRPr lang="en-CA"/>
           </a:p>
@@ -2105,7 +2116,7 @@
           <a:p>
             <a:fld id="{DD3CB2A7-14A9-49CB-940C-272B8845B298}" type="datetimeFigureOut">
               <a:rPr lang="en-CA" smtClean="0"/>
-              <a:t>2022-06-03</a:t>
+              <a:t>2022-07-27</a:t>
             </a:fld>
             <a:endParaRPr lang="en-CA"/>
           </a:p>
@@ -2358,7 +2369,7 @@
           <a:p>
             <a:fld id="{DD3CB2A7-14A9-49CB-940C-272B8845B298}" type="datetimeFigureOut">
               <a:rPr lang="en-CA" smtClean="0"/>
-              <a:t>2022-06-03</a:t>
+              <a:t>2022-07-27</a:t>
             </a:fld>
             <a:endParaRPr lang="en-CA"/>
           </a:p>
@@ -2571,7 +2582,7 @@
           <a:p>
             <a:fld id="{DD3CB2A7-14A9-49CB-940C-272B8845B298}" type="datetimeFigureOut">
               <a:rPr lang="en-CA" smtClean="0"/>
-              <a:t>2022-06-03</a:t>
+              <a:t>2022-07-27</a:t>
             </a:fld>
             <a:endParaRPr lang="en-CA"/>
           </a:p>
@@ -3014,7 +3025,11 @@
           <a:bodyPr/>
           <a:lstStyle/>
           <a:p>
-            <a:endParaRPr lang="en-CA"/>
+            <a:r>
+              <a:rPr lang="en-CA" dirty="0" smtClean="0"/>
+              <a:t>Marisa’s Pilots (n = 2)</a:t>
+            </a:r>
+            <a:endParaRPr lang="en-CA" dirty="0"/>
           </a:p>
         </p:txBody>
       </p:sp>
@@ -3357,7 +3372,7 @@
       </p:grpSpPr>
       <p:sp>
         <p:nvSpPr>
-          <p:cNvPr id="3" name="Title 2"/>
+          <p:cNvPr id="2" name="Title 1"/>
           <p:cNvSpPr>
             <a:spLocks noGrp="1"/>
           </p:cNvSpPr>
@@ -3370,7 +3385,46 @@
           <a:bodyPr/>
           <a:lstStyle/>
           <a:p>
-            <a:endParaRPr lang="en-CA"/>
+            <a:r>
+              <a:rPr lang="en-CA" dirty="0" smtClean="0"/>
+              <a:t>Multi-echo pilot data: Depth </a:t>
+            </a:r>
+            <a:r>
+              <a:rPr lang="en-CA" dirty="0" err="1" smtClean="0"/>
+              <a:t>loc</a:t>
+            </a:r>
+            <a:endParaRPr lang="en-CA" dirty="0"/>
+          </a:p>
+        </p:txBody>
+      </p:sp>
+      <p:sp>
+        <p:nvSpPr>
+          <p:cNvPr id="4" name="Subtitle 3"/>
+          <p:cNvSpPr>
+            <a:spLocks noGrp="1"/>
+          </p:cNvSpPr>
+          <p:nvPr>
+            <p:ph idx="1"/>
+          </p:nvPr>
+        </p:nvSpPr>
+        <p:spPr/>
+        <p:txBody>
+          <a:bodyPr/>
+          <a:lstStyle/>
+          <a:p>
+            <a:r>
+              <a:rPr lang="en-CA" dirty="0" smtClean="0"/>
+              <a:t>n = 4 </a:t>
+            </a:r>
+          </a:p>
+          <a:p>
+            <a:r>
+              <a:rPr lang="en-CA" dirty="0" smtClean="0"/>
+              <a:t>2 subjects with 1 run and 2 with 2 runs for 6 runs total</a:t>
+            </a:r>
+          </a:p>
+          <a:p>
+            <a:endParaRPr lang="en-CA" dirty="0"/>
           </a:p>
         </p:txBody>
       </p:sp>
@@ -3378,6 +3432,632 @@
     <p:extLst>
       <p:ext uri="{BB962C8B-B14F-4D97-AF65-F5344CB8AC3E}">
         <p14:creationId xmlns:p14="http://schemas.microsoft.com/office/powerpoint/2010/main" val="2569148244"/>
+      </p:ext>
+    </p:extLst>
+  </p:cSld>
+  <p:clrMapOvr>
+    <a:masterClrMapping/>
+  </p:clrMapOvr>
+</p:sld>
+</file>
+
+<file path=ppt/slides/slide14.xml><?xml version="1.0" encoding="utf-8"?>
+<p:sld xmlns:a="http://schemas.openxmlformats.org/drawingml/2006/main" xmlns:r="http://schemas.openxmlformats.org/officeDocument/2006/relationships" xmlns:p="http://schemas.openxmlformats.org/presentationml/2006/main">
+  <p:cSld>
+    <p:spTree>
+      <p:nvGrpSpPr>
+        <p:cNvPr id="1" name=""/>
+        <p:cNvGrpSpPr/>
+        <p:nvPr/>
+      </p:nvGrpSpPr>
+      <p:grpSpPr>
+        <a:xfrm>
+          <a:off x="0" y="0"/>
+          <a:ext cx="0" cy="0"/>
+          <a:chOff x="0" y="0"/>
+          <a:chExt cx="0" cy="0"/>
+        </a:xfrm>
+      </p:grpSpPr>
+      <p:sp>
+        <p:nvSpPr>
+          <p:cNvPr id="2" name="Title 1"/>
+          <p:cNvSpPr>
+            <a:spLocks noGrp="1"/>
+          </p:cNvSpPr>
+          <p:nvPr>
+            <p:ph type="title"/>
+          </p:nvPr>
+        </p:nvSpPr>
+        <p:spPr/>
+        <p:txBody>
+          <a:bodyPr/>
+          <a:lstStyle/>
+          <a:p>
+            <a:r>
+              <a:rPr lang="en-CA" dirty="0" smtClean="0"/>
+              <a:t>ERA – V3a </a:t>
+            </a:r>
+            <a:endParaRPr lang="en-CA" dirty="0"/>
+          </a:p>
+        </p:txBody>
+      </p:sp>
+      <p:pic>
+        <p:nvPicPr>
+          <p:cNvPr id="4" name="Content Placeholder 3"/>
+          <p:cNvPicPr>
+            <a:picLocks noGrp="1" noChangeAspect="1"/>
+          </p:cNvPicPr>
+          <p:nvPr>
+            <p:ph idx="1"/>
+          </p:nvPr>
+        </p:nvPicPr>
+        <p:blipFill>
+          <a:blip r:embed="rId2"/>
+          <a:stretch>
+            <a:fillRect/>
+          </a:stretch>
+        </p:blipFill>
+        <p:spPr>
+          <a:xfrm>
+            <a:off x="838200" y="1838504"/>
+            <a:ext cx="5510716" cy="4351338"/>
+          </a:xfrm>
+          <a:prstGeom prst="rect">
+            <a:avLst/>
+          </a:prstGeom>
+        </p:spPr>
+      </p:pic>
+      <p:pic>
+        <p:nvPicPr>
+          <p:cNvPr id="5" name="Picture 4"/>
+          <p:cNvPicPr>
+            <a:picLocks noChangeAspect="1"/>
+          </p:cNvPicPr>
+          <p:nvPr/>
+        </p:nvPicPr>
+        <p:blipFill>
+          <a:blip r:embed="rId3"/>
+          <a:stretch>
+            <a:fillRect/>
+          </a:stretch>
+        </p:blipFill>
+        <p:spPr>
+          <a:xfrm>
+            <a:off x="6348916" y="1838504"/>
+            <a:ext cx="1065698" cy="1738770"/>
+          </a:xfrm>
+          <a:prstGeom prst="rect">
+            <a:avLst/>
+          </a:prstGeom>
+        </p:spPr>
+      </p:pic>
+    </p:spTree>
+    <p:extLst>
+      <p:ext uri="{BB962C8B-B14F-4D97-AF65-F5344CB8AC3E}">
+        <p14:creationId xmlns:p14="http://schemas.microsoft.com/office/powerpoint/2010/main" val="2871916313"/>
+      </p:ext>
+    </p:extLst>
+  </p:cSld>
+  <p:clrMapOvr>
+    <a:masterClrMapping/>
+  </p:clrMapOvr>
+</p:sld>
+</file>
+
+<file path=ppt/slides/slide15.xml><?xml version="1.0" encoding="utf-8"?>
+<p:sld xmlns:a="http://schemas.openxmlformats.org/drawingml/2006/main" xmlns:r="http://schemas.openxmlformats.org/officeDocument/2006/relationships" xmlns:p="http://schemas.openxmlformats.org/presentationml/2006/main">
+  <p:cSld>
+    <p:spTree>
+      <p:nvGrpSpPr>
+        <p:cNvPr id="1" name=""/>
+        <p:cNvGrpSpPr/>
+        <p:nvPr/>
+      </p:nvGrpSpPr>
+      <p:grpSpPr>
+        <a:xfrm>
+          <a:off x="0" y="0"/>
+          <a:ext cx="0" cy="0"/>
+          <a:chOff x="0" y="0"/>
+          <a:chExt cx="0" cy="0"/>
+        </a:xfrm>
+      </p:grpSpPr>
+      <p:sp>
+        <p:nvSpPr>
+          <p:cNvPr id="2" name="Title 1"/>
+          <p:cNvSpPr>
+            <a:spLocks noGrp="1"/>
+          </p:cNvSpPr>
+          <p:nvPr>
+            <p:ph type="title"/>
+          </p:nvPr>
+        </p:nvSpPr>
+        <p:spPr/>
+        <p:txBody>
+          <a:bodyPr/>
+          <a:lstStyle/>
+          <a:p>
+            <a:r>
+              <a:rPr lang="en-CA" dirty="0" smtClean="0"/>
+              <a:t>ERA – V3b</a:t>
+            </a:r>
+            <a:endParaRPr lang="en-CA" dirty="0"/>
+          </a:p>
+        </p:txBody>
+      </p:sp>
+      <p:pic>
+        <p:nvPicPr>
+          <p:cNvPr id="4" name="Content Placeholder 3"/>
+          <p:cNvPicPr>
+            <a:picLocks noGrp="1" noChangeAspect="1"/>
+          </p:cNvPicPr>
+          <p:nvPr>
+            <p:ph idx="1"/>
+          </p:nvPr>
+        </p:nvPicPr>
+        <p:blipFill>
+          <a:blip r:embed="rId2"/>
+          <a:stretch>
+            <a:fillRect/>
+          </a:stretch>
+        </p:blipFill>
+        <p:spPr>
+          <a:xfrm>
+            <a:off x="737695" y="1786988"/>
+            <a:ext cx="5668091" cy="4351338"/>
+          </a:xfrm>
+          <a:prstGeom prst="rect">
+            <a:avLst/>
+          </a:prstGeom>
+        </p:spPr>
+      </p:pic>
+      <p:pic>
+        <p:nvPicPr>
+          <p:cNvPr id="5" name="Picture 4"/>
+          <p:cNvPicPr>
+            <a:picLocks noChangeAspect="1"/>
+          </p:cNvPicPr>
+          <p:nvPr/>
+        </p:nvPicPr>
+        <p:blipFill>
+          <a:blip r:embed="rId3"/>
+          <a:stretch>
+            <a:fillRect/>
+          </a:stretch>
+        </p:blipFill>
+        <p:spPr>
+          <a:xfrm>
+            <a:off x="6405786" y="1786988"/>
+            <a:ext cx="1065698" cy="1738770"/>
+          </a:xfrm>
+          <a:prstGeom prst="rect">
+            <a:avLst/>
+          </a:prstGeom>
+        </p:spPr>
+      </p:pic>
+    </p:spTree>
+    <p:extLst>
+      <p:ext uri="{BB962C8B-B14F-4D97-AF65-F5344CB8AC3E}">
+        <p14:creationId xmlns:p14="http://schemas.microsoft.com/office/powerpoint/2010/main" val="4265922839"/>
+      </p:ext>
+    </p:extLst>
+  </p:cSld>
+  <p:clrMapOvr>
+    <a:masterClrMapping/>
+  </p:clrMapOvr>
+</p:sld>
+</file>
+
+<file path=ppt/slides/slide16.xml><?xml version="1.0" encoding="utf-8"?>
+<p:sld xmlns:a="http://schemas.openxmlformats.org/drawingml/2006/main" xmlns:r="http://schemas.openxmlformats.org/officeDocument/2006/relationships" xmlns:p="http://schemas.openxmlformats.org/presentationml/2006/main">
+  <p:cSld>
+    <p:spTree>
+      <p:nvGrpSpPr>
+        <p:cNvPr id="1" name=""/>
+        <p:cNvGrpSpPr/>
+        <p:nvPr/>
+      </p:nvGrpSpPr>
+      <p:grpSpPr>
+        <a:xfrm>
+          <a:off x="0" y="0"/>
+          <a:ext cx="0" cy="0"/>
+          <a:chOff x="0" y="0"/>
+          <a:chExt cx="0" cy="0"/>
+        </a:xfrm>
+      </p:grpSpPr>
+      <p:sp>
+        <p:nvSpPr>
+          <p:cNvPr id="2" name="Title 1"/>
+          <p:cNvSpPr>
+            <a:spLocks noGrp="1"/>
+          </p:cNvSpPr>
+          <p:nvPr>
+            <p:ph type="title"/>
+          </p:nvPr>
+        </p:nvSpPr>
+        <p:spPr/>
+        <p:txBody>
+          <a:bodyPr/>
+          <a:lstStyle/>
+          <a:p>
+            <a:r>
+              <a:rPr lang="en-CA" dirty="0" smtClean="0"/>
+              <a:t>ERA – LO1</a:t>
+            </a:r>
+            <a:endParaRPr lang="en-CA" dirty="0"/>
+          </a:p>
+        </p:txBody>
+      </p:sp>
+      <p:pic>
+        <p:nvPicPr>
+          <p:cNvPr id="4" name="Content Placeholder 3"/>
+          <p:cNvPicPr>
+            <a:picLocks noGrp="1" noChangeAspect="1"/>
+          </p:cNvPicPr>
+          <p:nvPr>
+            <p:ph idx="1"/>
+          </p:nvPr>
+        </p:nvPicPr>
+        <p:blipFill>
+          <a:blip r:embed="rId2"/>
+          <a:stretch>
+            <a:fillRect/>
+          </a:stretch>
+        </p:blipFill>
+        <p:spPr>
+          <a:xfrm>
+            <a:off x="838200" y="1825625"/>
+            <a:ext cx="5774036" cy="4351338"/>
+          </a:xfrm>
+          <a:prstGeom prst="rect">
+            <a:avLst/>
+          </a:prstGeom>
+        </p:spPr>
+      </p:pic>
+      <p:pic>
+        <p:nvPicPr>
+          <p:cNvPr id="5" name="Picture 4"/>
+          <p:cNvPicPr>
+            <a:picLocks noChangeAspect="1"/>
+          </p:cNvPicPr>
+          <p:nvPr/>
+        </p:nvPicPr>
+        <p:blipFill>
+          <a:blip r:embed="rId3"/>
+          <a:stretch>
+            <a:fillRect/>
+          </a:stretch>
+        </p:blipFill>
+        <p:spPr>
+          <a:xfrm>
+            <a:off x="6405786" y="1786988"/>
+            <a:ext cx="1065698" cy="1738770"/>
+          </a:xfrm>
+          <a:prstGeom prst="rect">
+            <a:avLst/>
+          </a:prstGeom>
+        </p:spPr>
+      </p:pic>
+    </p:spTree>
+    <p:extLst>
+      <p:ext uri="{BB962C8B-B14F-4D97-AF65-F5344CB8AC3E}">
+        <p14:creationId xmlns:p14="http://schemas.microsoft.com/office/powerpoint/2010/main" val="4247704584"/>
+      </p:ext>
+    </p:extLst>
+  </p:cSld>
+  <p:clrMapOvr>
+    <a:masterClrMapping/>
+  </p:clrMapOvr>
+</p:sld>
+</file>
+
+<file path=ppt/slides/slide17.xml><?xml version="1.0" encoding="utf-8"?>
+<p:sld xmlns:a="http://schemas.openxmlformats.org/drawingml/2006/main" xmlns:r="http://schemas.openxmlformats.org/officeDocument/2006/relationships" xmlns:p="http://schemas.openxmlformats.org/presentationml/2006/main">
+  <p:cSld>
+    <p:spTree>
+      <p:nvGrpSpPr>
+        <p:cNvPr id="1" name=""/>
+        <p:cNvGrpSpPr/>
+        <p:nvPr/>
+      </p:nvGrpSpPr>
+      <p:grpSpPr>
+        <a:xfrm>
+          <a:off x="0" y="0"/>
+          <a:ext cx="0" cy="0"/>
+          <a:chOff x="0" y="0"/>
+          <a:chExt cx="0" cy="0"/>
+        </a:xfrm>
+      </p:grpSpPr>
+      <p:sp>
+        <p:nvSpPr>
+          <p:cNvPr id="2" name="Title 1"/>
+          <p:cNvSpPr>
+            <a:spLocks noGrp="1"/>
+          </p:cNvSpPr>
+          <p:nvPr>
+            <p:ph type="title"/>
+          </p:nvPr>
+        </p:nvSpPr>
+        <p:spPr/>
+        <p:txBody>
+          <a:bodyPr/>
+          <a:lstStyle/>
+          <a:p>
+            <a:r>
+              <a:rPr lang="en-CA" dirty="0" smtClean="0"/>
+              <a:t>ERA – V1</a:t>
+            </a:r>
+            <a:endParaRPr lang="en-CA" dirty="0"/>
+          </a:p>
+        </p:txBody>
+      </p:sp>
+      <p:pic>
+        <p:nvPicPr>
+          <p:cNvPr id="4" name="Content Placeholder 3"/>
+          <p:cNvPicPr>
+            <a:picLocks noGrp="1" noChangeAspect="1"/>
+          </p:cNvPicPr>
+          <p:nvPr>
+            <p:ph idx="1"/>
+          </p:nvPr>
+        </p:nvPicPr>
+        <p:blipFill>
+          <a:blip r:embed="rId2"/>
+          <a:stretch>
+            <a:fillRect/>
+          </a:stretch>
+        </p:blipFill>
+        <p:spPr>
+          <a:xfrm>
+            <a:off x="838200" y="1690688"/>
+            <a:ext cx="5774036" cy="4351338"/>
+          </a:xfrm>
+          <a:prstGeom prst="rect">
+            <a:avLst/>
+          </a:prstGeom>
+        </p:spPr>
+      </p:pic>
+      <p:pic>
+        <p:nvPicPr>
+          <p:cNvPr id="5" name="Picture 4"/>
+          <p:cNvPicPr>
+            <a:picLocks noChangeAspect="1"/>
+          </p:cNvPicPr>
+          <p:nvPr/>
+        </p:nvPicPr>
+        <p:blipFill>
+          <a:blip r:embed="rId3"/>
+          <a:stretch>
+            <a:fillRect/>
+          </a:stretch>
+        </p:blipFill>
+        <p:spPr>
+          <a:xfrm>
+            <a:off x="6612236" y="1690688"/>
+            <a:ext cx="1065698" cy="1738770"/>
+          </a:xfrm>
+          <a:prstGeom prst="rect">
+            <a:avLst/>
+          </a:prstGeom>
+        </p:spPr>
+      </p:pic>
+    </p:spTree>
+    <p:extLst>
+      <p:ext uri="{BB962C8B-B14F-4D97-AF65-F5344CB8AC3E}">
+        <p14:creationId xmlns:p14="http://schemas.microsoft.com/office/powerpoint/2010/main" val="1799389916"/>
+      </p:ext>
+    </p:extLst>
+  </p:cSld>
+  <p:clrMapOvr>
+    <a:masterClrMapping/>
+  </p:clrMapOvr>
+</p:sld>
+</file>
+
+<file path=ppt/slides/slide18.xml><?xml version="1.0" encoding="utf-8"?>
+<p:sld xmlns:a="http://schemas.openxmlformats.org/drawingml/2006/main" xmlns:r="http://schemas.openxmlformats.org/officeDocument/2006/relationships" xmlns:p="http://schemas.openxmlformats.org/presentationml/2006/main">
+  <p:cSld>
+    <p:spTree>
+      <p:nvGrpSpPr>
+        <p:cNvPr id="1" name=""/>
+        <p:cNvGrpSpPr/>
+        <p:nvPr/>
+      </p:nvGrpSpPr>
+      <p:grpSpPr>
+        <a:xfrm>
+          <a:off x="0" y="0"/>
+          <a:ext cx="0" cy="0"/>
+          <a:chOff x="0" y="0"/>
+          <a:chExt cx="0" cy="0"/>
+        </a:xfrm>
+      </p:grpSpPr>
+      <p:sp>
+        <p:nvSpPr>
+          <p:cNvPr id="2" name="Title 1"/>
+          <p:cNvSpPr>
+            <a:spLocks noGrp="1"/>
+          </p:cNvSpPr>
+          <p:nvPr>
+            <p:ph type="title"/>
+          </p:nvPr>
+        </p:nvSpPr>
+        <p:spPr/>
+        <p:txBody>
+          <a:bodyPr/>
+          <a:lstStyle/>
+          <a:p>
+            <a:r>
+              <a:rPr lang="en-CA" dirty="0" smtClean="0"/>
+              <a:t>ERA – </a:t>
+            </a:r>
+            <a:r>
+              <a:rPr lang="en-CA" dirty="0" err="1" smtClean="0"/>
+              <a:t>hMT</a:t>
+            </a:r>
+            <a:r>
+              <a:rPr lang="en-CA" dirty="0" smtClean="0"/>
+              <a:t> </a:t>
+            </a:r>
+            <a:endParaRPr lang="en-CA" dirty="0"/>
+          </a:p>
+        </p:txBody>
+      </p:sp>
+      <p:pic>
+        <p:nvPicPr>
+          <p:cNvPr id="4" name="Content Placeholder 3"/>
+          <p:cNvPicPr>
+            <a:picLocks noGrp="1" noChangeAspect="1"/>
+          </p:cNvPicPr>
+          <p:nvPr>
+            <p:ph idx="1"/>
+          </p:nvPr>
+        </p:nvPicPr>
+        <p:blipFill>
+          <a:blip r:embed="rId2"/>
+          <a:stretch>
+            <a:fillRect/>
+          </a:stretch>
+        </p:blipFill>
+        <p:spPr>
+          <a:xfrm>
+            <a:off x="838200" y="1690688"/>
+            <a:ext cx="5652253" cy="4351338"/>
+          </a:xfrm>
+          <a:prstGeom prst="rect">
+            <a:avLst/>
+          </a:prstGeom>
+        </p:spPr>
+      </p:pic>
+      <p:pic>
+        <p:nvPicPr>
+          <p:cNvPr id="5" name="Picture 4"/>
+          <p:cNvPicPr>
+            <a:picLocks noChangeAspect="1"/>
+          </p:cNvPicPr>
+          <p:nvPr/>
+        </p:nvPicPr>
+        <p:blipFill>
+          <a:blip r:embed="rId3"/>
+          <a:stretch>
+            <a:fillRect/>
+          </a:stretch>
+        </p:blipFill>
+        <p:spPr>
+          <a:xfrm>
+            <a:off x="6490453" y="1690688"/>
+            <a:ext cx="1065698" cy="1738770"/>
+          </a:xfrm>
+          <a:prstGeom prst="rect">
+            <a:avLst/>
+          </a:prstGeom>
+        </p:spPr>
+      </p:pic>
+    </p:spTree>
+    <p:extLst>
+      <p:ext uri="{BB962C8B-B14F-4D97-AF65-F5344CB8AC3E}">
+        <p14:creationId xmlns:p14="http://schemas.microsoft.com/office/powerpoint/2010/main" val="4132693327"/>
+      </p:ext>
+    </p:extLst>
+  </p:cSld>
+  <p:clrMapOvr>
+    <a:masterClrMapping/>
+  </p:clrMapOvr>
+</p:sld>
+</file>
+
+<file path=ppt/slides/slide19.xml><?xml version="1.0" encoding="utf-8"?>
+<p:sld xmlns:a="http://schemas.openxmlformats.org/drawingml/2006/main" xmlns:r="http://schemas.openxmlformats.org/officeDocument/2006/relationships" xmlns:p="http://schemas.openxmlformats.org/presentationml/2006/main">
+  <p:cSld>
+    <p:spTree>
+      <p:nvGrpSpPr>
+        <p:cNvPr id="1" name=""/>
+        <p:cNvGrpSpPr/>
+        <p:nvPr/>
+      </p:nvGrpSpPr>
+      <p:grpSpPr>
+        <a:xfrm>
+          <a:off x="0" y="0"/>
+          <a:ext cx="0" cy="0"/>
+          <a:chOff x="0" y="0"/>
+          <a:chExt cx="0" cy="0"/>
+        </a:xfrm>
+      </p:grpSpPr>
+      <p:sp>
+        <p:nvSpPr>
+          <p:cNvPr id="2" name="Title 1"/>
+          <p:cNvSpPr>
+            <a:spLocks noGrp="1"/>
+          </p:cNvSpPr>
+          <p:nvPr>
+            <p:ph type="title"/>
+          </p:nvPr>
+        </p:nvSpPr>
+        <p:spPr/>
+        <p:txBody>
+          <a:bodyPr/>
+          <a:lstStyle/>
+          <a:p>
+            <a:r>
+              <a:rPr lang="en-CA" dirty="0" smtClean="0"/>
+              <a:t>ERA – FFA</a:t>
+            </a:r>
+            <a:endParaRPr lang="en-CA" dirty="0"/>
+          </a:p>
+        </p:txBody>
+      </p:sp>
+      <p:pic>
+        <p:nvPicPr>
+          <p:cNvPr id="4" name="Content Placeholder 3"/>
+          <p:cNvPicPr>
+            <a:picLocks noGrp="1" noChangeAspect="1"/>
+          </p:cNvPicPr>
+          <p:nvPr>
+            <p:ph idx="1"/>
+          </p:nvPr>
+        </p:nvPicPr>
+        <p:blipFill>
+          <a:blip r:embed="rId2"/>
+          <a:stretch>
+            <a:fillRect/>
+          </a:stretch>
+        </p:blipFill>
+        <p:spPr>
+          <a:xfrm>
+            <a:off x="838200" y="1690688"/>
+            <a:ext cx="5744067" cy="4351338"/>
+          </a:xfrm>
+          <a:prstGeom prst="rect">
+            <a:avLst/>
+          </a:prstGeom>
+        </p:spPr>
+      </p:pic>
+      <p:pic>
+        <p:nvPicPr>
+          <p:cNvPr id="5" name="Picture 4"/>
+          <p:cNvPicPr>
+            <a:picLocks noChangeAspect="1"/>
+          </p:cNvPicPr>
+          <p:nvPr/>
+        </p:nvPicPr>
+        <p:blipFill>
+          <a:blip r:embed="rId3"/>
+          <a:stretch>
+            <a:fillRect/>
+          </a:stretch>
+        </p:blipFill>
+        <p:spPr>
+          <a:xfrm>
+            <a:off x="6490453" y="1690688"/>
+            <a:ext cx="1065698" cy="1738770"/>
+          </a:xfrm>
+          <a:prstGeom prst="rect">
+            <a:avLst/>
+          </a:prstGeom>
+        </p:spPr>
+      </p:pic>
+    </p:spTree>
+    <p:extLst>
+      <p:ext uri="{BB962C8B-B14F-4D97-AF65-F5344CB8AC3E}">
+        <p14:creationId xmlns:p14="http://schemas.microsoft.com/office/powerpoint/2010/main" val="2757105296"/>
       </p:ext>
     </p:extLst>
   </p:cSld>

--- a/3D Faces Pilot Data.pptx
+++ b/3D Faces Pilot Data.pptx
@@ -24,6 +24,11 @@
     <p:sldId id="273" r:id="rId18"/>
     <p:sldId id="274" r:id="rId19"/>
     <p:sldId id="275" r:id="rId20"/>
+    <p:sldId id="276" r:id="rId21"/>
+    <p:sldId id="279" r:id="rId22"/>
+    <p:sldId id="277" r:id="rId23"/>
+    <p:sldId id="278" r:id="rId24"/>
+    <p:sldId id="280" r:id="rId25"/>
   </p:sldIdLst>
   <p:sldSz cx="12192000" cy="6858000"/>
   <p:notesSz cx="6858000" cy="9144000"/>
@@ -261,7 +266,7 @@
           <a:p>
             <a:fld id="{DD3CB2A7-14A9-49CB-940C-272B8845B298}" type="datetimeFigureOut">
               <a:rPr lang="en-CA" smtClean="0"/>
-              <a:t>2022-07-27</a:t>
+              <a:t>2022-08-19</a:t>
             </a:fld>
             <a:endParaRPr lang="en-CA"/>
           </a:p>
@@ -431,7 +436,7 @@
           <a:p>
             <a:fld id="{DD3CB2A7-14A9-49CB-940C-272B8845B298}" type="datetimeFigureOut">
               <a:rPr lang="en-CA" smtClean="0"/>
-              <a:t>2022-07-27</a:t>
+              <a:t>2022-08-19</a:t>
             </a:fld>
             <a:endParaRPr lang="en-CA"/>
           </a:p>
@@ -611,7 +616,7 @@
           <a:p>
             <a:fld id="{DD3CB2A7-14A9-49CB-940C-272B8845B298}" type="datetimeFigureOut">
               <a:rPr lang="en-CA" smtClean="0"/>
-              <a:t>2022-07-27</a:t>
+              <a:t>2022-08-19</a:t>
             </a:fld>
             <a:endParaRPr lang="en-CA"/>
           </a:p>
@@ -781,7 +786,7 @@
           <a:p>
             <a:fld id="{DD3CB2A7-14A9-49CB-940C-272B8845B298}" type="datetimeFigureOut">
               <a:rPr lang="en-CA" smtClean="0"/>
-              <a:t>2022-07-27</a:t>
+              <a:t>2022-08-19</a:t>
             </a:fld>
             <a:endParaRPr lang="en-CA"/>
           </a:p>
@@ -1027,7 +1032,7 @@
           <a:p>
             <a:fld id="{DD3CB2A7-14A9-49CB-940C-272B8845B298}" type="datetimeFigureOut">
               <a:rPr lang="en-CA" smtClean="0"/>
-              <a:t>2022-07-27</a:t>
+              <a:t>2022-08-19</a:t>
             </a:fld>
             <a:endParaRPr lang="en-CA"/>
           </a:p>
@@ -1259,7 +1264,7 @@
           <a:p>
             <a:fld id="{DD3CB2A7-14A9-49CB-940C-272B8845B298}" type="datetimeFigureOut">
               <a:rPr lang="en-CA" smtClean="0"/>
-              <a:t>2022-07-27</a:t>
+              <a:t>2022-08-19</a:t>
             </a:fld>
             <a:endParaRPr lang="en-CA"/>
           </a:p>
@@ -1626,7 +1631,7 @@
           <a:p>
             <a:fld id="{DD3CB2A7-14A9-49CB-940C-272B8845B298}" type="datetimeFigureOut">
               <a:rPr lang="en-CA" smtClean="0"/>
-              <a:t>2022-07-27</a:t>
+              <a:t>2022-08-19</a:t>
             </a:fld>
             <a:endParaRPr lang="en-CA"/>
           </a:p>
@@ -1744,7 +1749,7 @@
           <a:p>
             <a:fld id="{DD3CB2A7-14A9-49CB-940C-272B8845B298}" type="datetimeFigureOut">
               <a:rPr lang="en-CA" smtClean="0"/>
-              <a:t>2022-07-27</a:t>
+              <a:t>2022-08-19</a:t>
             </a:fld>
             <a:endParaRPr lang="en-CA"/>
           </a:p>
@@ -1839,7 +1844,7 @@
           <a:p>
             <a:fld id="{DD3CB2A7-14A9-49CB-940C-272B8845B298}" type="datetimeFigureOut">
               <a:rPr lang="en-CA" smtClean="0"/>
-              <a:t>2022-07-27</a:t>
+              <a:t>2022-08-19</a:t>
             </a:fld>
             <a:endParaRPr lang="en-CA"/>
           </a:p>
@@ -2116,7 +2121,7 @@
           <a:p>
             <a:fld id="{DD3CB2A7-14A9-49CB-940C-272B8845B298}" type="datetimeFigureOut">
               <a:rPr lang="en-CA" smtClean="0"/>
-              <a:t>2022-07-27</a:t>
+              <a:t>2022-08-19</a:t>
             </a:fld>
             <a:endParaRPr lang="en-CA"/>
           </a:p>
@@ -2369,7 +2374,7 @@
           <a:p>
             <a:fld id="{DD3CB2A7-14A9-49CB-940C-272B8845B298}" type="datetimeFigureOut">
               <a:rPr lang="en-CA" smtClean="0"/>
-              <a:t>2022-07-27</a:t>
+              <a:t>2022-08-19</a:t>
             </a:fld>
             <a:endParaRPr lang="en-CA"/>
           </a:p>
@@ -2582,7 +2587,7 @@
           <a:p>
             <a:fld id="{DD3CB2A7-14A9-49CB-940C-272B8845B298}" type="datetimeFigureOut">
               <a:rPr lang="en-CA" smtClean="0"/>
-              <a:t>2022-07-27</a:t>
+              <a:t>2022-08-19</a:t>
             </a:fld>
             <a:endParaRPr lang="en-CA"/>
           </a:p>
@@ -4242,6 +4247,724 @@
 </p:sld>
 </file>
 
+<file path=ppt/slides/slide20.xml><?xml version="1.0" encoding="utf-8"?>
+<p:sld xmlns:a="http://schemas.openxmlformats.org/drawingml/2006/main" xmlns:r="http://schemas.openxmlformats.org/officeDocument/2006/relationships" xmlns:p="http://schemas.openxmlformats.org/presentationml/2006/main">
+  <p:cSld>
+    <p:spTree>
+      <p:nvGrpSpPr>
+        <p:cNvPr id="1" name=""/>
+        <p:cNvGrpSpPr/>
+        <p:nvPr/>
+      </p:nvGrpSpPr>
+      <p:grpSpPr>
+        <a:xfrm>
+          <a:off x="0" y="0"/>
+          <a:ext cx="0" cy="0"/>
+          <a:chOff x="0" y="0"/>
+          <a:chExt cx="0" cy="0"/>
+        </a:xfrm>
+      </p:grpSpPr>
+      <p:sp>
+        <p:nvSpPr>
+          <p:cNvPr id="4" name="Title 3"/>
+          <p:cNvSpPr>
+            <a:spLocks noGrp="1"/>
+          </p:cNvSpPr>
+          <p:nvPr>
+            <p:ph type="ctrTitle"/>
+          </p:nvPr>
+        </p:nvSpPr>
+        <p:spPr/>
+        <p:txBody>
+          <a:bodyPr/>
+          <a:lstStyle/>
+          <a:p>
+            <a:r>
+              <a:rPr lang="en-CA" dirty="0" smtClean="0"/>
+              <a:t>Middle </a:t>
+            </a:r>
+            <a:r>
+              <a:rPr lang="en-CA" dirty="0" err="1" smtClean="0"/>
+              <a:t>Echos</a:t>
+            </a:r>
+            <a:r>
+              <a:rPr lang="en-CA" dirty="0" smtClean="0"/>
+              <a:t> Faces</a:t>
+            </a:r>
+            <a:endParaRPr lang="en-CA" dirty="0"/>
+          </a:p>
+        </p:txBody>
+      </p:sp>
+      <p:sp>
+        <p:nvSpPr>
+          <p:cNvPr id="5" name="Subtitle 4"/>
+          <p:cNvSpPr>
+            <a:spLocks noGrp="1"/>
+          </p:cNvSpPr>
+          <p:nvPr>
+            <p:ph type="subTitle" idx="1"/>
+          </p:nvPr>
+        </p:nvSpPr>
+        <p:spPr/>
+        <p:txBody>
+          <a:bodyPr/>
+          <a:lstStyle/>
+          <a:p>
+            <a:r>
+              <a:rPr lang="en-CA" dirty="0" smtClean="0"/>
+              <a:t>N = 4</a:t>
+            </a:r>
+            <a:endParaRPr lang="en-CA" dirty="0"/>
+          </a:p>
+        </p:txBody>
+      </p:sp>
+    </p:spTree>
+    <p:extLst>
+      <p:ext uri="{BB962C8B-B14F-4D97-AF65-F5344CB8AC3E}">
+        <p14:creationId xmlns:p14="http://schemas.microsoft.com/office/powerpoint/2010/main" val="3305845967"/>
+      </p:ext>
+    </p:extLst>
+  </p:cSld>
+  <p:clrMapOvr>
+    <a:masterClrMapping/>
+  </p:clrMapOvr>
+</p:sld>
+</file>
+
+<file path=ppt/slides/slide21.xml><?xml version="1.0" encoding="utf-8"?>
+<p:sld xmlns:a="http://schemas.openxmlformats.org/drawingml/2006/main" xmlns:r="http://schemas.openxmlformats.org/officeDocument/2006/relationships" xmlns:p="http://schemas.openxmlformats.org/presentationml/2006/main">
+  <p:cSld>
+    <p:spTree>
+      <p:nvGrpSpPr>
+        <p:cNvPr id="1" name=""/>
+        <p:cNvGrpSpPr/>
+        <p:nvPr/>
+      </p:nvGrpSpPr>
+      <p:grpSpPr>
+        <a:xfrm>
+          <a:off x="0" y="0"/>
+          <a:ext cx="0" cy="0"/>
+          <a:chOff x="0" y="0"/>
+          <a:chExt cx="0" cy="0"/>
+        </a:xfrm>
+      </p:grpSpPr>
+      <p:pic>
+        <p:nvPicPr>
+          <p:cNvPr id="4" name="Picture 3"/>
+          <p:cNvPicPr>
+            <a:picLocks noChangeAspect="1"/>
+          </p:cNvPicPr>
+          <p:nvPr/>
+        </p:nvPicPr>
+        <p:blipFill>
+          <a:blip r:embed="rId2"/>
+          <a:stretch>
+            <a:fillRect/>
+          </a:stretch>
+        </p:blipFill>
+        <p:spPr>
+          <a:xfrm>
+            <a:off x="5254679" y="2520617"/>
+            <a:ext cx="1682642" cy="1816765"/>
+          </a:xfrm>
+          <a:prstGeom prst="rect">
+            <a:avLst/>
+          </a:prstGeom>
+        </p:spPr>
+      </p:pic>
+    </p:spTree>
+    <p:extLst>
+      <p:ext uri="{BB962C8B-B14F-4D97-AF65-F5344CB8AC3E}">
+        <p14:creationId xmlns:p14="http://schemas.microsoft.com/office/powerpoint/2010/main" val="550750098"/>
+      </p:ext>
+    </p:extLst>
+  </p:cSld>
+  <p:clrMapOvr>
+    <a:masterClrMapping/>
+  </p:clrMapOvr>
+</p:sld>
+</file>
+
+<file path=ppt/slides/slide22.xml><?xml version="1.0" encoding="utf-8"?>
+<p:sld xmlns:a="http://schemas.openxmlformats.org/drawingml/2006/main" xmlns:r="http://schemas.openxmlformats.org/officeDocument/2006/relationships" xmlns:p="http://schemas.openxmlformats.org/presentationml/2006/main">
+  <p:cSld>
+    <p:spTree>
+      <p:nvGrpSpPr>
+        <p:cNvPr id="1" name=""/>
+        <p:cNvGrpSpPr/>
+        <p:nvPr/>
+      </p:nvGrpSpPr>
+      <p:grpSpPr>
+        <a:xfrm>
+          <a:off x="0" y="0"/>
+          <a:ext cx="0" cy="0"/>
+          <a:chOff x="0" y="0"/>
+          <a:chExt cx="0" cy="0"/>
+        </a:xfrm>
+      </p:grpSpPr>
+      <p:sp>
+        <p:nvSpPr>
+          <p:cNvPr id="2" name="Title 1"/>
+          <p:cNvSpPr>
+            <a:spLocks noGrp="1"/>
+          </p:cNvSpPr>
+          <p:nvPr>
+            <p:ph type="title"/>
+          </p:nvPr>
+        </p:nvSpPr>
+        <p:spPr/>
+        <p:txBody>
+          <a:bodyPr/>
+          <a:lstStyle/>
+          <a:p>
+            <a:r>
+              <a:rPr lang="en-CA" dirty="0" smtClean="0"/>
+              <a:t>3D &gt; 2D </a:t>
+            </a:r>
+            <a:r>
+              <a:rPr lang="en-CA" sz="1400" dirty="0" smtClean="0"/>
+              <a:t>(n=4) FFX, no separate sub predictors, min 4.14 and max 8, no correction for serial correlation </a:t>
+            </a:r>
+            <a:endParaRPr lang="en-CA" sz="1400" dirty="0"/>
+          </a:p>
+        </p:txBody>
+      </p:sp>
+      <p:pic>
+        <p:nvPicPr>
+          <p:cNvPr id="4" name="Content Placeholder 3"/>
+          <p:cNvPicPr>
+            <a:picLocks noGrp="1" noChangeAspect="1"/>
+          </p:cNvPicPr>
+          <p:nvPr>
+            <p:ph idx="1"/>
+          </p:nvPr>
+        </p:nvPicPr>
+        <p:blipFill>
+          <a:blip r:embed="rId2"/>
+          <a:stretch>
+            <a:fillRect/>
+          </a:stretch>
+        </p:blipFill>
+        <p:spPr>
+          <a:xfrm>
+            <a:off x="505550" y="1759538"/>
+            <a:ext cx="3677163" cy="3610479"/>
+          </a:xfrm>
+          <a:prstGeom prst="rect">
+            <a:avLst/>
+          </a:prstGeom>
+        </p:spPr>
+      </p:pic>
+      <p:sp>
+        <p:nvSpPr>
+          <p:cNvPr id="5" name="TextBox 4"/>
+          <p:cNvSpPr txBox="1"/>
+          <p:nvPr/>
+        </p:nvSpPr>
+        <p:spPr>
+          <a:xfrm>
+            <a:off x="1027522" y="5476973"/>
+            <a:ext cx="3560543" cy="369332"/>
+          </a:xfrm>
+          <a:prstGeom prst="rect">
+            <a:avLst/>
+          </a:prstGeom>
+          <a:noFill/>
+        </p:spPr>
+        <p:txBody>
+          <a:bodyPr wrap="square" rtlCol="0">
+            <a:spAutoFit/>
+          </a:bodyPr>
+          <a:lstStyle/>
+          <a:p>
+            <a:r>
+              <a:rPr lang="en-CA" dirty="0" smtClean="0"/>
+              <a:t>Green = V3b</a:t>
+            </a:r>
+            <a:endParaRPr lang="en-CA" dirty="0"/>
+          </a:p>
+        </p:txBody>
+      </p:sp>
+      <p:pic>
+        <p:nvPicPr>
+          <p:cNvPr id="6" name="Picture 5"/>
+          <p:cNvPicPr>
+            <a:picLocks noChangeAspect="1"/>
+          </p:cNvPicPr>
+          <p:nvPr/>
+        </p:nvPicPr>
+        <p:blipFill>
+          <a:blip r:embed="rId3"/>
+          <a:stretch>
+            <a:fillRect/>
+          </a:stretch>
+        </p:blipFill>
+        <p:spPr>
+          <a:xfrm>
+            <a:off x="4281233" y="1721433"/>
+            <a:ext cx="3629532" cy="3648584"/>
+          </a:xfrm>
+          <a:prstGeom prst="rect">
+            <a:avLst/>
+          </a:prstGeom>
+        </p:spPr>
+      </p:pic>
+      <p:sp>
+        <p:nvSpPr>
+          <p:cNvPr id="7" name="TextBox 6"/>
+          <p:cNvSpPr txBox="1"/>
+          <p:nvPr/>
+        </p:nvSpPr>
+        <p:spPr>
+          <a:xfrm>
+            <a:off x="4699994" y="5478659"/>
+            <a:ext cx="2792011" cy="369332"/>
+          </a:xfrm>
+          <a:prstGeom prst="rect">
+            <a:avLst/>
+          </a:prstGeom>
+          <a:noFill/>
+        </p:spPr>
+        <p:txBody>
+          <a:bodyPr wrap="square" rtlCol="0">
+            <a:spAutoFit/>
+          </a:bodyPr>
+          <a:lstStyle/>
+          <a:p>
+            <a:r>
+              <a:rPr lang="en-CA" dirty="0" err="1" smtClean="0"/>
+              <a:t>Turqoise</a:t>
+            </a:r>
+            <a:r>
+              <a:rPr lang="en-CA" dirty="0" smtClean="0"/>
+              <a:t> = LO1</a:t>
+            </a:r>
+          </a:p>
+        </p:txBody>
+      </p:sp>
+      <p:pic>
+        <p:nvPicPr>
+          <p:cNvPr id="8" name="Picture 7"/>
+          <p:cNvPicPr>
+            <a:picLocks noChangeAspect="1"/>
+          </p:cNvPicPr>
+          <p:nvPr/>
+        </p:nvPicPr>
+        <p:blipFill>
+          <a:blip r:embed="rId4"/>
+          <a:stretch>
+            <a:fillRect/>
+          </a:stretch>
+        </p:blipFill>
+        <p:spPr>
+          <a:xfrm>
+            <a:off x="8213080" y="1750012"/>
+            <a:ext cx="3686689" cy="3620005"/>
+          </a:xfrm>
+          <a:prstGeom prst="rect">
+            <a:avLst/>
+          </a:prstGeom>
+        </p:spPr>
+      </p:pic>
+      <p:sp>
+        <p:nvSpPr>
+          <p:cNvPr id="9" name="TextBox 8"/>
+          <p:cNvSpPr txBox="1"/>
+          <p:nvPr/>
+        </p:nvSpPr>
+        <p:spPr>
+          <a:xfrm>
+            <a:off x="8295588" y="5429341"/>
+            <a:ext cx="2733773" cy="369332"/>
+          </a:xfrm>
+          <a:prstGeom prst="rect">
+            <a:avLst/>
+          </a:prstGeom>
+          <a:noFill/>
+        </p:spPr>
+        <p:txBody>
+          <a:bodyPr wrap="square" rtlCol="0">
+            <a:spAutoFit/>
+          </a:bodyPr>
+          <a:lstStyle/>
+          <a:p>
+            <a:r>
+              <a:rPr lang="en-CA" dirty="0" smtClean="0"/>
+              <a:t>Lilac = V3a</a:t>
+            </a:r>
+            <a:endParaRPr lang="en-CA" dirty="0"/>
+          </a:p>
+        </p:txBody>
+      </p:sp>
+    </p:spTree>
+    <p:extLst>
+      <p:ext uri="{BB962C8B-B14F-4D97-AF65-F5344CB8AC3E}">
+        <p14:creationId xmlns:p14="http://schemas.microsoft.com/office/powerpoint/2010/main" val="2759023446"/>
+      </p:ext>
+    </p:extLst>
+  </p:cSld>
+  <p:clrMapOvr>
+    <a:masterClrMapping/>
+  </p:clrMapOvr>
+</p:sld>
+</file>
+
+<file path=ppt/slides/slide23.xml><?xml version="1.0" encoding="utf-8"?>
+<p:sld xmlns:a="http://schemas.openxmlformats.org/drawingml/2006/main" xmlns:r="http://schemas.openxmlformats.org/officeDocument/2006/relationships" xmlns:p="http://schemas.openxmlformats.org/presentationml/2006/main">
+  <p:cSld>
+    <p:spTree>
+      <p:nvGrpSpPr>
+        <p:cNvPr id="1" name=""/>
+        <p:cNvGrpSpPr/>
+        <p:nvPr/>
+      </p:nvGrpSpPr>
+      <p:grpSpPr>
+        <a:xfrm>
+          <a:off x="0" y="0"/>
+          <a:ext cx="0" cy="0"/>
+          <a:chOff x="0" y="0"/>
+          <a:chExt cx="0" cy="0"/>
+        </a:xfrm>
+      </p:grpSpPr>
+      <p:sp>
+        <p:nvSpPr>
+          <p:cNvPr id="2" name="Title 1"/>
+          <p:cNvSpPr>
+            <a:spLocks noGrp="1"/>
+          </p:cNvSpPr>
+          <p:nvPr>
+            <p:ph type="title"/>
+          </p:nvPr>
+        </p:nvSpPr>
+        <p:spPr/>
+        <p:txBody>
+          <a:bodyPr/>
+          <a:lstStyle/>
+          <a:p>
+            <a:r>
+              <a:rPr lang="en-CA" dirty="0" smtClean="0"/>
+              <a:t>3D &gt; 2D </a:t>
+            </a:r>
+            <a:r>
+              <a:rPr lang="en-CA" sz="1400" dirty="0"/>
+              <a:t>(n=4) FFX, no separate sub predictors, min 4.14 and max 8, no correction for serial correlation </a:t>
+            </a:r>
+          </a:p>
+        </p:txBody>
+      </p:sp>
+      <p:sp>
+        <p:nvSpPr>
+          <p:cNvPr id="5" name="TextBox 4"/>
+          <p:cNvSpPr txBox="1"/>
+          <p:nvPr/>
+        </p:nvSpPr>
+        <p:spPr>
+          <a:xfrm>
+            <a:off x="1027522" y="5476973"/>
+            <a:ext cx="3560543" cy="369332"/>
+          </a:xfrm>
+          <a:prstGeom prst="rect">
+            <a:avLst/>
+          </a:prstGeom>
+          <a:noFill/>
+        </p:spPr>
+        <p:txBody>
+          <a:bodyPr wrap="square" rtlCol="0">
+            <a:spAutoFit/>
+          </a:bodyPr>
+          <a:lstStyle/>
+          <a:p>
+            <a:r>
+              <a:rPr lang="en-CA" dirty="0" smtClean="0"/>
+              <a:t>Dark Green = </a:t>
+            </a:r>
+            <a:r>
+              <a:rPr lang="en-CA" dirty="0" err="1" smtClean="0"/>
+              <a:t>hMT</a:t>
+            </a:r>
+            <a:endParaRPr lang="en-CA" dirty="0"/>
+          </a:p>
+        </p:txBody>
+      </p:sp>
+      <p:sp>
+        <p:nvSpPr>
+          <p:cNvPr id="7" name="TextBox 6"/>
+          <p:cNvSpPr txBox="1"/>
+          <p:nvPr/>
+        </p:nvSpPr>
+        <p:spPr>
+          <a:xfrm>
+            <a:off x="4699994" y="5478659"/>
+            <a:ext cx="2792011" cy="369332"/>
+          </a:xfrm>
+          <a:prstGeom prst="rect">
+            <a:avLst/>
+          </a:prstGeom>
+          <a:noFill/>
+        </p:spPr>
+        <p:txBody>
+          <a:bodyPr wrap="square" rtlCol="0">
+            <a:spAutoFit/>
+          </a:bodyPr>
+          <a:lstStyle/>
+          <a:p>
+            <a:r>
+              <a:rPr lang="en-CA" dirty="0" smtClean="0"/>
+              <a:t>Dark blue = FFA</a:t>
+            </a:r>
+          </a:p>
+        </p:txBody>
+      </p:sp>
+      <p:pic>
+        <p:nvPicPr>
+          <p:cNvPr id="10" name="Content Placeholder 9"/>
+          <p:cNvPicPr>
+            <a:picLocks noGrp="1" noChangeAspect="1"/>
+          </p:cNvPicPr>
+          <p:nvPr>
+            <p:ph idx="1"/>
+          </p:nvPr>
+        </p:nvPicPr>
+        <p:blipFill>
+          <a:blip r:embed="rId2"/>
+          <a:stretch>
+            <a:fillRect/>
+          </a:stretch>
+        </p:blipFill>
+        <p:spPr>
+          <a:xfrm>
+            <a:off x="997790" y="1807170"/>
+            <a:ext cx="3620005" cy="3553321"/>
+          </a:xfrm>
+          <a:prstGeom prst="rect">
+            <a:avLst/>
+          </a:prstGeom>
+        </p:spPr>
+      </p:pic>
+      <p:pic>
+        <p:nvPicPr>
+          <p:cNvPr id="11" name="Picture 10"/>
+          <p:cNvPicPr>
+            <a:picLocks noChangeAspect="1"/>
+          </p:cNvPicPr>
+          <p:nvPr/>
+        </p:nvPicPr>
+        <p:blipFill>
+          <a:blip r:embed="rId3"/>
+          <a:stretch>
+            <a:fillRect/>
+          </a:stretch>
+        </p:blipFill>
+        <p:spPr>
+          <a:xfrm>
+            <a:off x="4795244" y="1721433"/>
+            <a:ext cx="3581900" cy="3677163"/>
+          </a:xfrm>
+          <a:prstGeom prst="rect">
+            <a:avLst/>
+          </a:prstGeom>
+        </p:spPr>
+      </p:pic>
+    </p:spTree>
+    <p:extLst>
+      <p:ext uri="{BB962C8B-B14F-4D97-AF65-F5344CB8AC3E}">
+        <p14:creationId xmlns:p14="http://schemas.microsoft.com/office/powerpoint/2010/main" val="3216865500"/>
+      </p:ext>
+    </p:extLst>
+  </p:cSld>
+  <p:clrMapOvr>
+    <a:masterClrMapping/>
+  </p:clrMapOvr>
+</p:sld>
+</file>
+
+<file path=ppt/slides/slide24.xml><?xml version="1.0" encoding="utf-8"?>
+<p:sld xmlns:a="http://schemas.openxmlformats.org/drawingml/2006/main" xmlns:r="http://schemas.openxmlformats.org/officeDocument/2006/relationships" xmlns:p="http://schemas.openxmlformats.org/presentationml/2006/main">
+  <p:cSld>
+    <p:spTree>
+      <p:nvGrpSpPr>
+        <p:cNvPr id="1" name=""/>
+        <p:cNvGrpSpPr/>
+        <p:nvPr/>
+      </p:nvGrpSpPr>
+      <p:grpSpPr>
+        <a:xfrm>
+          <a:off x="0" y="0"/>
+          <a:ext cx="0" cy="0"/>
+          <a:chOff x="0" y="0"/>
+          <a:chExt cx="0" cy="0"/>
+        </a:xfrm>
+      </p:grpSpPr>
+      <p:sp>
+        <p:nvSpPr>
+          <p:cNvPr id="2" name="Title 1"/>
+          <p:cNvSpPr>
+            <a:spLocks noGrp="1"/>
+          </p:cNvSpPr>
+          <p:nvPr>
+            <p:ph type="title"/>
+          </p:nvPr>
+        </p:nvSpPr>
+        <p:spPr/>
+        <p:txBody>
+          <a:bodyPr/>
+          <a:lstStyle/>
+          <a:p>
+            <a:r>
+              <a:rPr lang="en-CA" dirty="0" smtClean="0"/>
+              <a:t>Condition Colours</a:t>
+            </a:r>
+            <a:endParaRPr lang="en-CA" dirty="0"/>
+          </a:p>
+        </p:txBody>
+      </p:sp>
+      <p:pic>
+        <p:nvPicPr>
+          <p:cNvPr id="4" name="Content Placeholder 3"/>
+          <p:cNvPicPr>
+            <a:picLocks noGrp="1" noChangeAspect="1"/>
+          </p:cNvPicPr>
+          <p:nvPr>
+            <p:ph idx="1"/>
+          </p:nvPr>
+        </p:nvPicPr>
+        <p:blipFill>
+          <a:blip r:embed="rId2"/>
+          <a:stretch>
+            <a:fillRect/>
+          </a:stretch>
+        </p:blipFill>
+        <p:spPr>
+          <a:xfrm>
+            <a:off x="571576" y="1690688"/>
+            <a:ext cx="4888625" cy="2039737"/>
+          </a:xfrm>
+          <a:prstGeom prst="rect">
+            <a:avLst/>
+          </a:prstGeom>
+        </p:spPr>
+      </p:pic>
+      <p:pic>
+        <p:nvPicPr>
+          <p:cNvPr id="5" name="Picture 4"/>
+          <p:cNvPicPr>
+            <a:picLocks noChangeAspect="1"/>
+          </p:cNvPicPr>
+          <p:nvPr/>
+        </p:nvPicPr>
+        <p:blipFill>
+          <a:blip r:embed="rId3"/>
+          <a:stretch>
+            <a:fillRect/>
+          </a:stretch>
+        </p:blipFill>
+        <p:spPr>
+          <a:xfrm>
+            <a:off x="571575" y="4082491"/>
+            <a:ext cx="4832695" cy="2026078"/>
+          </a:xfrm>
+          <a:prstGeom prst="rect">
+            <a:avLst/>
+          </a:prstGeom>
+        </p:spPr>
+      </p:pic>
+      <p:pic>
+        <p:nvPicPr>
+          <p:cNvPr id="6" name="Picture 5"/>
+          <p:cNvPicPr>
+            <a:picLocks noChangeAspect="1"/>
+          </p:cNvPicPr>
+          <p:nvPr/>
+        </p:nvPicPr>
+        <p:blipFill>
+          <a:blip r:embed="rId4"/>
+          <a:stretch>
+            <a:fillRect/>
+          </a:stretch>
+        </p:blipFill>
+        <p:spPr>
+          <a:xfrm>
+            <a:off x="6549267" y="1690688"/>
+            <a:ext cx="4744243" cy="2065909"/>
+          </a:xfrm>
+          <a:prstGeom prst="rect">
+            <a:avLst/>
+          </a:prstGeom>
+        </p:spPr>
+      </p:pic>
+      <p:pic>
+        <p:nvPicPr>
+          <p:cNvPr id="7" name="Picture 6"/>
+          <p:cNvPicPr>
+            <a:picLocks noChangeAspect="1"/>
+          </p:cNvPicPr>
+          <p:nvPr/>
+        </p:nvPicPr>
+        <p:blipFill>
+          <a:blip r:embed="rId5"/>
+          <a:stretch>
+            <a:fillRect/>
+          </a:stretch>
+        </p:blipFill>
+        <p:spPr>
+          <a:xfrm>
+            <a:off x="6426718" y="4348632"/>
+            <a:ext cx="5496692" cy="1467055"/>
+          </a:xfrm>
+          <a:prstGeom prst="rect">
+            <a:avLst/>
+          </a:prstGeom>
+        </p:spPr>
+      </p:pic>
+      <p:sp>
+        <p:nvSpPr>
+          <p:cNvPr id="8" name="TextBox 7"/>
+          <p:cNvSpPr txBox="1"/>
+          <p:nvPr/>
+        </p:nvSpPr>
+        <p:spPr>
+          <a:xfrm>
+            <a:off x="5572812" y="3861741"/>
+            <a:ext cx="1046375" cy="646331"/>
+          </a:xfrm>
+          <a:prstGeom prst="rect">
+            <a:avLst/>
+          </a:prstGeom>
+          <a:noFill/>
+        </p:spPr>
+        <p:txBody>
+          <a:bodyPr wrap="square" rtlCol="0">
+            <a:spAutoFit/>
+          </a:bodyPr>
+          <a:lstStyle/>
+          <a:p>
+            <a:r>
+              <a:rPr lang="en-CA" dirty="0" smtClean="0"/>
+              <a:t>1        3</a:t>
+            </a:r>
+          </a:p>
+          <a:p>
+            <a:r>
+              <a:rPr lang="en-CA" dirty="0" smtClean="0"/>
+              <a:t>2        4</a:t>
+            </a:r>
+            <a:endParaRPr lang="en-CA" dirty="0"/>
+          </a:p>
+        </p:txBody>
+      </p:sp>
+    </p:spTree>
+    <p:extLst>
+      <p:ext uri="{BB962C8B-B14F-4D97-AF65-F5344CB8AC3E}">
+        <p14:creationId xmlns:p14="http://schemas.microsoft.com/office/powerpoint/2010/main" val="3821411852"/>
+      </p:ext>
+    </p:extLst>
+  </p:cSld>
+  <p:clrMapOvr>
+    <a:masterClrMapping/>
+  </p:clrMapOvr>
+</p:sld>
+</file>
+
 <file path=ppt/slides/slide3.xml><?xml version="1.0" encoding="utf-8"?>
 <p:sld xmlns:a="http://schemas.openxmlformats.org/drawingml/2006/main" xmlns:r="http://schemas.openxmlformats.org/officeDocument/2006/relationships" xmlns:p="http://schemas.openxmlformats.org/presentationml/2006/main">
   <p:cSld>
